--- a/examples/output/project_proposal.pptx
+++ b/examples/output/project_proposal.pptx
@@ -120,7 +120,7 @@
           <a:lstStyle/>
           <a:p>
             <a:r>
-              <a:rPr lang="en-US" sz="4400" b="1"/>
+              <a:rPr lang="en-US" sz="4400" b="1" i="0"/>
               <a:t>Project Proposal: PPTX Generator</a:t>
             </a:r>
           </a:p>
@@ -152,21 +152,21 @@
           <a:p>
             <a:pPr lvl="0"/>
             <a:r>
-              <a:rPr lang="en-US" sz="2800"/>
+              <a:rPr lang="en-US" sz="2800" b="0" i="0"/>
               <a:t>Objective: Create a Rust library for PPTX generation</a:t>
             </a:r>
           </a:p>
           <a:p>
             <a:pPr lvl="0"/>
             <a:r>
-              <a:rPr lang="en-US" sz="2800"/>
+              <a:rPr lang="en-US" sz="2800" b="0" i="0"/>
               <a:t>Timeline: 3 months</a:t>
             </a:r>
           </a:p>
           <a:p>
             <a:pPr lvl="0"/>
             <a:r>
-              <a:rPr lang="en-US" sz="2800"/>
+              <a:rPr lang="en-US" sz="2800" b="0" i="0"/>
               <a:t>Budget: $50,000</a:t>
             </a:r>
           </a:p>
@@ -227,7 +227,7 @@
           <a:lstStyle/>
           <a:p>
             <a:r>
-              <a:rPr lang="en-US" sz="4400" b="1"/>
+              <a:rPr lang="en-US" sz="4400" b="1" i="0"/>
               <a:t>Problem Statement</a:t>
             </a:r>
           </a:p>
@@ -259,21 +259,21 @@
           <a:p>
             <a:pPr lvl="0"/>
             <a:r>
-              <a:rPr lang="en-US" sz="2800"/>
+              <a:rPr lang="en-US" sz="2800" b="0" i="0"/>
               <a:t>Existing Python library is slow</a:t>
             </a:r>
           </a:p>
           <a:p>
             <a:pPr lvl="0"/>
             <a:r>
-              <a:rPr lang="en-US" sz="2800"/>
+              <a:rPr lang="en-US" sz="2800" b="0" i="0"/>
               <a:t>Need for type-safe solution</a:t>
             </a:r>
           </a:p>
           <a:p>
             <a:pPr lvl="0"/>
             <a:r>
-              <a:rPr lang="en-US" sz="2800"/>
+              <a:rPr lang="en-US" sz="2800" b="0" i="0"/>
               <a:t>Performance requirements not met</a:t>
             </a:r>
           </a:p>
@@ -334,7 +334,7 @@
           <a:lstStyle/>
           <a:p>
             <a:r>
-              <a:rPr lang="en-US" sz="4400" b="1"/>
+              <a:rPr lang="en-US" sz="4400" b="1" i="0"/>
               <a:t>Proposed Solution</a:t>
             </a:r>
           </a:p>
@@ -366,21 +366,21 @@
           <a:p>
             <a:pPr lvl="0"/>
             <a:r>
-              <a:rPr lang="en-US" sz="2800"/>
+              <a:rPr lang="en-US" sz="2800" b="0" i="0"/>
               <a:t>Rust-based PPTX generator</a:t>
             </a:r>
           </a:p>
           <a:p>
             <a:pPr lvl="0"/>
             <a:r>
-              <a:rPr lang="en-US" sz="2800"/>
+              <a:rPr lang="en-US" sz="2800" b="0" i="0"/>
               <a:t>10x performance improvement</a:t>
             </a:r>
           </a:p>
           <a:p>
             <a:pPr lvl="0"/>
             <a:r>
-              <a:rPr lang="en-US" sz="2800"/>
+              <a:rPr lang="en-US" sz="2800" b="0" i="0"/>
               <a:t>Full API compatibility</a:t>
             </a:r>
           </a:p>
@@ -441,7 +441,7 @@
           <a:lstStyle/>
           <a:p>
             <a:r>
-              <a:rPr lang="en-US" sz="4400" b="1"/>
+              <a:rPr lang="en-US" sz="4400" b="1" i="0"/>
               <a:t>Implementation Plan</a:t>
             </a:r>
           </a:p>
@@ -473,21 +473,21 @@
           <a:p>
             <a:pPr lvl="0"/>
             <a:r>
-              <a:rPr lang="en-US" sz="2800"/>
+              <a:rPr lang="en-US" sz="2800" b="0" i="0"/>
               <a:t>Phase 1: Core ZIP handling (Month 1)</a:t>
             </a:r>
           </a:p>
           <a:p>
             <a:pPr lvl="0"/>
             <a:r>
-              <a:rPr lang="en-US" sz="2800"/>
+              <a:rPr lang="en-US" sz="2800" b="0" i="0"/>
               <a:t>Phase 2: XML generation (Month 2)</a:t>
             </a:r>
           </a:p>
           <a:p>
             <a:pPr lvl="0"/>
             <a:r>
-              <a:rPr lang="en-US" sz="2800"/>
+              <a:rPr lang="en-US" sz="2800" b="0" i="0"/>
               <a:t>Phase 3: Testing &amp; optimization (Month 3)</a:t>
             </a:r>
           </a:p>
@@ -548,7 +548,7 @@
           <a:lstStyle/>
           <a:p>
             <a:r>
-              <a:rPr lang="en-US" sz="4400" b="1"/>
+              <a:rPr lang="en-US" sz="4400" b="1" i="0"/>
               <a:t>Expected Outcomes</a:t>
             </a:r>
           </a:p>
@@ -580,21 +580,21 @@
           <a:p>
             <a:pPr lvl="0"/>
             <a:r>
-              <a:rPr lang="en-US" sz="2800"/>
+              <a:rPr lang="en-US" sz="2800" b="0" i="0"/>
               <a:t>Production-ready library</a:t>
             </a:r>
           </a:p>
           <a:p>
             <a:pPr lvl="0"/>
             <a:r>
-              <a:rPr lang="en-US" sz="2800"/>
+              <a:rPr lang="en-US" sz="2800" b="0" i="0"/>
               <a:t>Comprehensive documentation</a:t>
             </a:r>
           </a:p>
           <a:p>
             <a:pPr lvl="0"/>
             <a:r>
-              <a:rPr lang="en-US" sz="2800"/>
+              <a:rPr lang="en-US" sz="2800" b="0" i="0"/>
               <a:t>100% test coverage</a:t>
             </a:r>
           </a:p>
@@ -655,7 +655,7 @@
           <a:lstStyle/>
           <a:p>
             <a:r>
-              <a:rPr lang="en-US" sz="4400" b="1"/>
+              <a:rPr lang="en-US" sz="4400" b="1" i="0"/>
               <a:t>Questions &amp; Discussion</a:t>
             </a:r>
           </a:p>
